--- a/Laborum.pptx
+++ b/Laborum.pptx
@@ -264,7 +264,7 @@
           <a:p>
             <a:fld id="{20764513-029B-4213-B72D-B077F70D08D9}" type="datetimeFigureOut">
               <a:rPr lang="es-CL" smtClean="0"/>
-              <a:t>25-01-2019</a:t>
+              <a:t>26-01-2019</a:t>
             </a:fld>
             <a:endParaRPr lang="es-CL"/>
           </a:p>
@@ -464,7 +464,7 @@
           <a:p>
             <a:fld id="{20764513-029B-4213-B72D-B077F70D08D9}" type="datetimeFigureOut">
               <a:rPr lang="es-CL" smtClean="0"/>
-              <a:t>25-01-2019</a:t>
+              <a:t>26-01-2019</a:t>
             </a:fld>
             <a:endParaRPr lang="es-CL"/>
           </a:p>
@@ -674,7 +674,7 @@
           <a:p>
             <a:fld id="{20764513-029B-4213-B72D-B077F70D08D9}" type="datetimeFigureOut">
               <a:rPr lang="es-CL" smtClean="0"/>
-              <a:t>25-01-2019</a:t>
+              <a:t>26-01-2019</a:t>
             </a:fld>
             <a:endParaRPr lang="es-CL"/>
           </a:p>
@@ -874,7 +874,7 @@
           <a:p>
             <a:fld id="{20764513-029B-4213-B72D-B077F70D08D9}" type="datetimeFigureOut">
               <a:rPr lang="es-CL" smtClean="0"/>
-              <a:t>25-01-2019</a:t>
+              <a:t>26-01-2019</a:t>
             </a:fld>
             <a:endParaRPr lang="es-CL"/>
           </a:p>
@@ -1150,7 +1150,7 @@
           <a:p>
             <a:fld id="{20764513-029B-4213-B72D-B077F70D08D9}" type="datetimeFigureOut">
               <a:rPr lang="es-CL" smtClean="0"/>
-              <a:t>25-01-2019</a:t>
+              <a:t>26-01-2019</a:t>
             </a:fld>
             <a:endParaRPr lang="es-CL"/>
           </a:p>
@@ -1418,7 +1418,7 @@
           <a:p>
             <a:fld id="{20764513-029B-4213-B72D-B077F70D08D9}" type="datetimeFigureOut">
               <a:rPr lang="es-CL" smtClean="0"/>
-              <a:t>25-01-2019</a:t>
+              <a:t>26-01-2019</a:t>
             </a:fld>
             <a:endParaRPr lang="es-CL"/>
           </a:p>
@@ -1833,7 +1833,7 @@
           <a:p>
             <a:fld id="{20764513-029B-4213-B72D-B077F70D08D9}" type="datetimeFigureOut">
               <a:rPr lang="es-CL" smtClean="0"/>
-              <a:t>25-01-2019</a:t>
+              <a:t>26-01-2019</a:t>
             </a:fld>
             <a:endParaRPr lang="es-CL"/>
           </a:p>
@@ -1975,7 +1975,7 @@
           <a:p>
             <a:fld id="{20764513-029B-4213-B72D-B077F70D08D9}" type="datetimeFigureOut">
               <a:rPr lang="es-CL" smtClean="0"/>
-              <a:t>25-01-2019</a:t>
+              <a:t>26-01-2019</a:t>
             </a:fld>
             <a:endParaRPr lang="es-CL"/>
           </a:p>
@@ -2088,7 +2088,7 @@
           <a:p>
             <a:fld id="{20764513-029B-4213-B72D-B077F70D08D9}" type="datetimeFigureOut">
               <a:rPr lang="es-CL" smtClean="0"/>
-              <a:t>25-01-2019</a:t>
+              <a:t>26-01-2019</a:t>
             </a:fld>
             <a:endParaRPr lang="es-CL"/>
           </a:p>
@@ -2401,7 +2401,7 @@
           <a:p>
             <a:fld id="{20764513-029B-4213-B72D-B077F70D08D9}" type="datetimeFigureOut">
               <a:rPr lang="es-CL" smtClean="0"/>
-              <a:t>25-01-2019</a:t>
+              <a:t>26-01-2019</a:t>
             </a:fld>
             <a:endParaRPr lang="es-CL"/>
           </a:p>
@@ -2690,7 +2690,7 @@
           <a:p>
             <a:fld id="{20764513-029B-4213-B72D-B077F70D08D9}" type="datetimeFigureOut">
               <a:rPr lang="es-CL" smtClean="0"/>
-              <a:t>25-01-2019</a:t>
+              <a:t>26-01-2019</a:t>
             </a:fld>
             <a:endParaRPr lang="es-CL"/>
           </a:p>
@@ -2933,7 +2933,7 @@
           <a:p>
             <a:fld id="{20764513-029B-4213-B72D-B077F70D08D9}" type="datetimeFigureOut">
               <a:rPr lang="es-CL" smtClean="0"/>
-              <a:t>25-01-2019</a:t>
+              <a:t>26-01-2019</a:t>
             </a:fld>
             <a:endParaRPr lang="es-CL"/>
           </a:p>
@@ -5409,12 +5409,6 @@
           <a:p>
             <a:r>
               <a:rPr lang="es-CL" dirty="0"/>
-              <a:t>Zona sur: 428</a:t>
-            </a:r>
-          </a:p>
-          <a:p>
-            <a:r>
-              <a:rPr lang="es-CL" dirty="0"/>
               <a:t>Zona poniente: 592</a:t>
             </a:r>
           </a:p>
@@ -5422,6 +5416,12 @@
             <a:r>
               <a:rPr lang="es-CL" dirty="0"/>
               <a:t>Zona norte: 545</a:t>
+            </a:r>
+          </a:p>
+          <a:p>
+            <a:r>
+              <a:rPr lang="es-CL" dirty="0"/>
+              <a:t>Zona sur: 428</a:t>
             </a:r>
           </a:p>
         </p:txBody>
